--- a/Teaching/Chemistry/Exams/Exam Notice.pptx
+++ b/Teaching/Chemistry/Exams/Exam Notice.pptx
@@ -5,10 +5,11 @@
     <p:sldMasterId id="2147483803" r:id="rId1"/>
   </p:sldMasterIdLst>
   <p:notesMasterIdLst>
-    <p:notesMasterId r:id="rId3"/>
+    <p:notesMasterId r:id="rId4"/>
   </p:notesMasterIdLst>
   <p:sldIdLst>
     <p:sldId id="256" r:id="rId2"/>
+    <p:sldId id="257" r:id="rId3"/>
   </p:sldIdLst>
   <p:sldSz cx="9144000" cy="6858000" type="screen4x3"/>
   <p:notesSz cx="7315200" cy="9601200"/>
@@ -3665,7 +3666,13 @@
           <a:p>
             <a:r>
               <a:rPr lang="en-US" dirty="0"/>
-              <a:t>The exam on two printed pages—double-sided—covering 2.5 pages, with a blank sheet for scratch calculations (you can keep these after the exam)</a:t>
+              <a:t>The exam on 3 pages—double-sided. The last page is a blank sheet for scratch calculation</a:t>
+            </a:r>
+          </a:p>
+          <a:p>
+            <a:r>
+              <a:rPr lang="en-US" dirty="0"/>
+              <a:t>You keep the exam questions (key will be posted)</a:t>
             </a:r>
           </a:p>
           <a:p>
@@ -3703,6 +3710,213 @@
     <p:extLst>
       <p:ext uri="{BB962C8B-B14F-4D97-AF65-F5344CB8AC3E}">
         <p14:creationId xmlns:p14="http://schemas.microsoft.com/office/powerpoint/2010/main" val="3193773641"/>
+      </p:ext>
+    </p:extLst>
+  </p:cSld>
+  <p:clrMapOvr>
+    <a:masterClrMapping/>
+  </p:clrMapOvr>
+</p:sld>
+</file>
+
+<file path=ppt/slides/slide2.xml><?xml version="1.0" encoding="utf-8"?>
+<p:sld xmlns:a="http://schemas.openxmlformats.org/drawingml/2006/main" xmlns:r="http://schemas.openxmlformats.org/officeDocument/2006/relationships" xmlns:p="http://schemas.openxmlformats.org/presentationml/2006/main">
+  <p:cSld>
+    <p:spTree>
+      <p:nvGrpSpPr>
+        <p:cNvPr id="1" name="">
+          <a:extLst>
+            <a:ext uri="{FF2B5EF4-FFF2-40B4-BE49-F238E27FC236}">
+              <a16:creationId xmlns:a16="http://schemas.microsoft.com/office/drawing/2014/main" id="{E52BA1B1-A402-DEDA-357A-B9C93A4D3E7F}"/>
+            </a:ext>
+          </a:extLst>
+        </p:cNvPr>
+        <p:cNvGrpSpPr/>
+        <p:nvPr/>
+      </p:nvGrpSpPr>
+      <p:grpSpPr>
+        <a:xfrm>
+          <a:off x="0" y="0"/>
+          <a:ext cx="0" cy="0"/>
+          <a:chOff x="0" y="0"/>
+          <a:chExt cx="0" cy="0"/>
+        </a:xfrm>
+      </p:grpSpPr>
+      <p:sp>
+        <p:nvSpPr>
+          <p:cNvPr id="5" name="Content Placeholder 4">
+            <a:extLst>
+              <a:ext uri="{FF2B5EF4-FFF2-40B4-BE49-F238E27FC236}">
+                <a16:creationId xmlns:a16="http://schemas.microsoft.com/office/drawing/2014/main" id="{CD5AD04C-8817-12F3-B45E-08EEB3F6FA64}"/>
+              </a:ext>
+            </a:extLst>
+          </p:cNvPr>
+          <p:cNvSpPr>
+            <a:spLocks noGrp="1"/>
+          </p:cNvSpPr>
+          <p:nvPr>
+            <p:ph idx="1"/>
+          </p:nvPr>
+        </p:nvSpPr>
+        <p:spPr>
+          <a:xfrm>
+            <a:off x="372533" y="2885383"/>
+            <a:ext cx="4344007" cy="3662172"/>
+          </a:xfrm>
+        </p:spPr>
+        <p:txBody>
+          <a:bodyPr/>
+          <a:lstStyle/>
+          <a:p>
+            <a:pPr marL="0" indent="0">
+              <a:buNone/>
+            </a:pPr>
+            <a:r>
+              <a:rPr lang="en-US" sz="2000" dirty="0"/>
+              <a:t>Mark the version written on your Name area AND that you fill in the oval (red arrow) of your Version</a:t>
+            </a:r>
+          </a:p>
+          <a:p>
+            <a:pPr marL="0" indent="0">
+              <a:buNone/>
+            </a:pPr>
+            <a:endParaRPr lang="en-US" sz="2000" dirty="0"/>
+          </a:p>
+          <a:p>
+            <a:pPr marL="0" indent="0">
+              <a:buNone/>
+            </a:pPr>
+            <a:r>
+              <a:rPr lang="en-US" sz="2000" dirty="0"/>
+              <a:t>Be careful of </a:t>
+            </a:r>
+            <a:r>
+              <a:rPr lang="en-US" sz="2000"/>
+              <a:t>multiple choice</a:t>
+            </a:r>
+            <a:br>
+              <a:rPr lang="en-US" sz="2000"/>
+            </a:br>
+            <a:r>
+              <a:rPr lang="en-US" sz="2000"/>
+              <a:t>(</a:t>
+            </a:r>
+            <a:r>
+              <a:rPr lang="en-US" sz="2000" dirty="0"/>
+              <a:t>4 or 5 choices) and the True/False questions</a:t>
+            </a:r>
+          </a:p>
+          <a:p>
+            <a:pPr marL="0" indent="0">
+              <a:buNone/>
+            </a:pPr>
+            <a:endParaRPr lang="en-US" sz="2000" dirty="0"/>
+          </a:p>
+          <a:p>
+            <a:pPr marL="0" indent="0">
+              <a:buNone/>
+            </a:pPr>
+            <a:r>
+              <a:rPr lang="en-US" sz="2000" dirty="0"/>
+              <a:t>Best wishes for your success</a:t>
+            </a:r>
+          </a:p>
+        </p:txBody>
+      </p:sp>
+      <p:pic>
+        <p:nvPicPr>
+          <p:cNvPr id="8" name="Picture 7">
+            <a:extLst>
+              <a:ext uri="{FF2B5EF4-FFF2-40B4-BE49-F238E27FC236}">
+                <a16:creationId xmlns:a16="http://schemas.microsoft.com/office/drawing/2014/main" id="{CE7A4256-57CA-2CA3-4917-7AF5E2C4E77F}"/>
+              </a:ext>
+            </a:extLst>
+          </p:cNvPr>
+          <p:cNvPicPr>
+            <a:picLocks noChangeAspect="1"/>
+          </p:cNvPicPr>
+          <p:nvPr/>
+        </p:nvPicPr>
+        <p:blipFill>
+          <a:blip r:embed="rId2"/>
+          <a:stretch>
+            <a:fillRect/>
+          </a:stretch>
+        </p:blipFill>
+        <p:spPr>
+          <a:xfrm>
+            <a:off x="6311590" y="4089223"/>
+            <a:ext cx="2571131" cy="2532674"/>
+          </a:xfrm>
+          <a:prstGeom prst="rect">
+            <a:avLst/>
+          </a:prstGeom>
+        </p:spPr>
+      </p:pic>
+      <p:pic>
+        <p:nvPicPr>
+          <p:cNvPr id="18" name="Picture 17">
+            <a:extLst>
+              <a:ext uri="{FF2B5EF4-FFF2-40B4-BE49-F238E27FC236}">
+                <a16:creationId xmlns:a16="http://schemas.microsoft.com/office/drawing/2014/main" id="{A309C6F5-3DDE-6BB0-E65F-61523683FFDF}"/>
+              </a:ext>
+            </a:extLst>
+          </p:cNvPr>
+          <p:cNvPicPr>
+            <a:picLocks noChangeAspect="1"/>
+          </p:cNvPicPr>
+          <p:nvPr/>
+        </p:nvPicPr>
+        <p:blipFill>
+          <a:blip r:embed="rId3"/>
+          <a:stretch>
+            <a:fillRect/>
+          </a:stretch>
+        </p:blipFill>
+        <p:spPr>
+          <a:xfrm>
+            <a:off x="5597912" y="2885383"/>
+            <a:ext cx="3366584" cy="2088961"/>
+          </a:xfrm>
+          <a:prstGeom prst="rect">
+            <a:avLst/>
+          </a:prstGeom>
+        </p:spPr>
+      </p:pic>
+      <p:pic>
+        <p:nvPicPr>
+          <p:cNvPr id="20" name="Picture 19">
+            <a:extLst>
+              <a:ext uri="{FF2B5EF4-FFF2-40B4-BE49-F238E27FC236}">
+                <a16:creationId xmlns:a16="http://schemas.microsoft.com/office/drawing/2014/main" id="{E33CA8D2-0AE6-45AF-D299-79027DF70A7B}"/>
+              </a:ext>
+            </a:extLst>
+          </p:cNvPr>
+          <p:cNvPicPr>
+            <a:picLocks noChangeAspect="1"/>
+          </p:cNvPicPr>
+          <p:nvPr/>
+        </p:nvPicPr>
+        <p:blipFill>
+          <a:blip r:embed="rId4"/>
+          <a:stretch>
+            <a:fillRect/>
+          </a:stretch>
+        </p:blipFill>
+        <p:spPr>
+          <a:xfrm>
+            <a:off x="3364130" y="230527"/>
+            <a:ext cx="5407337" cy="2555962"/>
+          </a:xfrm>
+          <a:prstGeom prst="rect">
+            <a:avLst/>
+          </a:prstGeom>
+        </p:spPr>
+      </p:pic>
+    </p:spTree>
+    <p:extLst>
+      <p:ext uri="{BB962C8B-B14F-4D97-AF65-F5344CB8AC3E}">
+        <p14:creationId xmlns:p14="http://schemas.microsoft.com/office/powerpoint/2010/main" val="492912004"/>
       </p:ext>
     </p:extLst>
   </p:cSld>
